--- a/slides/ng-bootcamp-day-2.pptx
+++ b/slides/ng-bootcamp-day-2.pptx
@@ -5,7 +5,7 @@
     <p:sldMasterId id="2147483675" r:id="rId1"/>
   </p:sldMasterIdLst>
   <p:notesMasterIdLst>
-    <p:notesMasterId r:id="rId39"/>
+    <p:notesMasterId r:id="rId40"/>
   </p:notesMasterIdLst>
   <p:sldIdLst>
     <p:sldId id="306" r:id="rId2"/>
@@ -45,6 +45,7 @@
     <p:sldId id="323" r:id="rId36"/>
     <p:sldId id="324" r:id="rId37"/>
     <p:sldId id="325" r:id="rId38"/>
+    <p:sldId id="326" r:id="rId39"/>
   </p:sldIdLst>
   <p:sldSz cx="9144000" cy="6858000" type="screen4x3"/>
   <p:notesSz cx="6858000" cy="9144000"/>
@@ -12165,18 +12166,41 @@
           <a:lstStyle/>
           <a:p>
             <a:r>
-              <a:rPr lang="en-US" dirty="0" err="1">
+              <a:rPr lang="en-US" dirty="0" err="1" smtClean="0">
                 <a:latin typeface="Menlo Regular"/>
                 <a:cs typeface="Menlo Regular"/>
               </a:rPr>
               <a:t>git</a:t>
             </a:r>
             <a:r>
-              <a:rPr lang="en-US" dirty="0">
+              <a:rPr lang="en-US" dirty="0" smtClean="0">
                 <a:latin typeface="Menlo Regular"/>
                 <a:cs typeface="Menlo Regular"/>
               </a:rPr>
-              <a:t> checkout -f day</a:t>
+              <a:t> fetch origin</a:t>
+            </a:r>
+          </a:p>
+          <a:p>
+            <a:r>
+              <a:rPr lang="en-US" dirty="0" err="1" smtClean="0">
+                <a:latin typeface="Menlo Regular"/>
+                <a:cs typeface="Menlo Regular"/>
+              </a:rPr>
+              <a:t>git</a:t>
+            </a:r>
+            <a:r>
+              <a:rPr lang="en-US" dirty="0" smtClean="0">
+                <a:latin typeface="Menlo Regular"/>
+                <a:cs typeface="Menlo Regular"/>
+              </a:rPr>
+              <a:t> </a:t>
+            </a:r>
+            <a:r>
+              <a:rPr lang="en-US" dirty="0">
+                <a:latin typeface="Menlo Regular"/>
+                <a:cs typeface="Menlo Regular"/>
+              </a:rPr>
+              <a:t>checkout -f day</a:t>
             </a:r>
             <a:r>
               <a:rPr lang="en-US" dirty="0" smtClean="0">
@@ -12277,6 +12301,13 @@
   <p:clrMapOvr>
     <a:masterClrMapping/>
   </p:clrMapOvr>
+  <p:timing>
+    <p:tnLst>
+      <p:par>
+        <p:cTn xmlns:p14="http://schemas.microsoft.com/office/powerpoint/2010/main" id="1" dur="indefinite" restart="never" nodeType="tmRoot"/>
+      </p:par>
+    </p:tnLst>
+  </p:timing>
 </p:sld>
 </file>
 
@@ -14212,6 +14243,13 @@
   <p:clrMapOvr>
     <a:masterClrMapping/>
   </p:clrMapOvr>
+  <p:timing>
+    <p:tnLst>
+      <p:par>
+        <p:cTn xmlns:p14="http://schemas.microsoft.com/office/powerpoint/2010/main" id="1" dur="indefinite" restart="never" nodeType="tmRoot"/>
+      </p:par>
+    </p:tnLst>
+  </p:timing>
 </p:sld>
 </file>
 
@@ -15512,15 +15550,29 @@
             </a:r>
             <a:r>
               <a:rPr lang="en-US" dirty="0" smtClean="0"/>
-              <a:t>-2/</a:t>
+              <a:t>-2/step-</a:t>
+            </a:r>
+            <a:r>
+              <a:rPr lang="en-US" dirty="0" smtClean="0"/>
+              <a:t>4</a:t>
+            </a:r>
+          </a:p>
+          <a:p>
+            <a:r>
+              <a:rPr lang="en-US" dirty="0" smtClean="0"/>
+              <a:t>NOTE: need to run ‘</a:t>
+            </a:r>
+            <a:r>
+              <a:rPr lang="en-US" dirty="0" err="1" smtClean="0"/>
+              <a:t>npm</a:t>
+            </a:r>
+            <a:r>
+              <a:rPr lang="en-US" dirty="0" smtClean="0"/>
+              <a:t> install’ to install the connect package for the static </a:t>
             </a:r>
             <a:r>
               <a:rPr lang="en-US" smtClean="0"/>
-              <a:t>step</a:t>
-            </a:r>
-            <a:r>
-              <a:rPr lang="en-US" smtClean="0"/>
-              <a:t>-4</a:t>
+              <a:t>file server</a:t>
             </a:r>
             <a:endParaRPr lang="en-US" dirty="0"/>
           </a:p>
@@ -15536,6 +15588,226 @@
   <p:clrMapOvr>
     <a:masterClrMapping/>
   </p:clrMapOvr>
+  <p:timing>
+    <p:tnLst>
+      <p:par>
+        <p:cTn xmlns:p14="http://schemas.microsoft.com/office/powerpoint/2010/main" id="1" dur="indefinite" restart="never" nodeType="tmRoot"/>
+      </p:par>
+    </p:tnLst>
+  </p:timing>
+</p:sld>
+</file>
+
+<file path=ppt/slides/slide38.xml><?xml version="1.0" encoding="utf-8"?>
+<p:sld xmlns:a="http://schemas.openxmlformats.org/drawingml/2006/main" xmlns:r="http://schemas.openxmlformats.org/officeDocument/2006/relationships" xmlns:p="http://schemas.openxmlformats.org/presentationml/2006/main">
+  <p:cSld>
+    <p:spTree>
+      <p:nvGrpSpPr>
+        <p:cNvPr id="1" name=""/>
+        <p:cNvGrpSpPr/>
+        <p:nvPr/>
+      </p:nvGrpSpPr>
+      <p:grpSpPr>
+        <a:xfrm>
+          <a:off x="0" y="0"/>
+          <a:ext cx="0" cy="0"/>
+          <a:chOff x="0" y="0"/>
+          <a:chExt cx="0" cy="0"/>
+        </a:xfrm>
+      </p:grpSpPr>
+      <p:pic>
+        <p:nvPicPr>
+          <p:cNvPr id="4" name="Picture 3" descr="feelings_about_angularjs_over_time.png"/>
+          <p:cNvPicPr>
+            <a:picLocks noChangeAspect="1"/>
+          </p:cNvPicPr>
+          <p:nvPr/>
+        </p:nvPicPr>
+        <p:blipFill>
+          <a:blip r:embed="rId2">
+            <a:extLst>
+              <a:ext uri="{28A0092B-C50C-407E-A947-70E740481C1C}">
+                <a14:useLocalDpi xmlns:a14="http://schemas.microsoft.com/office/drawing/2010/main" val="0"/>
+              </a:ext>
+            </a:extLst>
+          </a:blip>
+          <a:stretch>
+            <a:fillRect/>
+          </a:stretch>
+        </p:blipFill>
+        <p:spPr>
+          <a:xfrm>
+            <a:off x="1252631" y="0"/>
+            <a:ext cx="6638739" cy="6858000"/>
+          </a:xfrm>
+          <a:prstGeom prst="rect">
+            <a:avLst/>
+          </a:prstGeom>
+        </p:spPr>
+      </p:pic>
+      <p:sp>
+        <p:nvSpPr>
+          <p:cNvPr id="2" name="Oval 1"/>
+          <p:cNvSpPr/>
+          <p:nvPr/>
+        </p:nvSpPr>
+        <p:spPr>
+          <a:xfrm>
+            <a:off x="1626128" y="4403839"/>
+            <a:ext cx="913955" cy="819043"/>
+          </a:xfrm>
+          <a:prstGeom prst="ellipse">
+            <a:avLst/>
+          </a:prstGeom>
+          <a:noFill/>
+          <a:ln w="28575" cmpd="sng">
+            <a:solidFill>
+              <a:srgbClr val="86CE24"/>
+            </a:solidFill>
+          </a:ln>
+        </p:spPr>
+        <p:style>
+          <a:lnRef idx="1">
+            <a:schemeClr val="accent1"/>
+          </a:lnRef>
+          <a:fillRef idx="3">
+            <a:schemeClr val="accent1"/>
+          </a:fillRef>
+          <a:effectRef idx="2">
+            <a:schemeClr val="accent1"/>
+          </a:effectRef>
+          <a:fontRef idx="minor">
+            <a:schemeClr val="lt1"/>
+          </a:fontRef>
+        </p:style>
+        <p:txBody>
+          <a:bodyPr rtlCol="0" anchor="ctr"/>
+          <a:lstStyle/>
+          <a:p>
+            <a:pPr algn="ctr"/>
+            <a:endParaRPr lang="en-US"/>
+          </a:p>
+        </p:txBody>
+      </p:sp>
+    </p:spTree>
+    <p:extLst>
+      <p:ext uri="{BB962C8B-B14F-4D97-AF65-F5344CB8AC3E}">
+        <p14:creationId xmlns:p14="http://schemas.microsoft.com/office/powerpoint/2010/main" val="3488888349"/>
+      </p:ext>
+    </p:extLst>
+  </p:cSld>
+  <p:clrMapOvr>
+    <a:masterClrMapping/>
+  </p:clrMapOvr>
+  <p:timing>
+    <p:tnLst>
+      <p:par>
+        <p:cTn xmlns:p14="http://schemas.microsoft.com/office/powerpoint/2010/main" id="1" dur="indefinite" restart="never" nodeType="tmRoot">
+          <p:childTnLst>
+            <p:seq concurrent="1" nextAc="seek">
+              <p:cTn id="2" dur="indefinite" nodeType="mainSeq">
+                <p:childTnLst>
+                  <p:par>
+                    <p:cTn id="3" fill="hold">
+                      <p:stCondLst>
+                        <p:cond delay="indefinite"/>
+                      </p:stCondLst>
+                      <p:childTnLst>
+                        <p:par>
+                          <p:cTn id="4" fill="hold">
+                            <p:stCondLst>
+                              <p:cond delay="0"/>
+                            </p:stCondLst>
+                            <p:childTnLst>
+                              <p:par>
+                                <p:cTn id="5" presetID="0" presetClass="path" presetSubtype="0" accel="50000" decel="50000" fill="hold" grpId="0" nodeType="clickEffect">
+                                  <p:stCondLst>
+                                    <p:cond delay="0"/>
+                                  </p:stCondLst>
+                                  <p:childTnLst>
+                                    <p:animMotion origin="layout" path="M -6.95728E-6 3.72249E-6 C 0.00347 0.00463 0.00555 0.00926 0.00972 0.01297 C 0.01198 0.01783 0.01493 0.02339 0.01684 0.02895 C 0.02274 0.04632 0.02292 0.06787 0.03594 0.07991 C 0.03907 0.08617 0.04115 0.08756 0.04671 0.08964 C 0.05192 0.08895 0.05713 0.08964 0.06234 0.08802 C 0.06564 0.08663 0.06686 0.06648 0.0672 0.06393 C 0.07016 0.04053 0.07606 0.01806 0.08023 -0.00464 C 0.08197 -0.01483 0.08336 -0.02502 0.08509 -0.03498 C 0.08596 -0.04054 0.08874 -0.05097 0.08874 -0.05097 C 0.09048 -0.0651 0.09082 -0.08733 0.10194 -0.09428 C 0.10593 -0.09706 0.1108 -0.09567 0.11496 -0.09567 " pathEditMode="relative" ptsTypes="fffffffffffA">
+                                      <p:cBhvr>
+                                        <p:cTn id="6" dur="2000" fill="hold"/>
+                                        <p:tgtEl>
+                                          <p:spTgt spid="2"/>
+                                        </p:tgtEl>
+                                        <p:attrNameLst>
+                                          <p:attrName>ppt_x</p:attrName>
+                                          <p:attrName>ppt_y</p:attrName>
+                                        </p:attrNameLst>
+                                      </p:cBhvr>
+                                    </p:animMotion>
+                                  </p:childTnLst>
+                                </p:cTn>
+                              </p:par>
+                            </p:childTnLst>
+                          </p:cTn>
+                        </p:par>
+                      </p:childTnLst>
+                    </p:cTn>
+                  </p:par>
+                  <p:par>
+                    <p:cTn id="7" fill="hold">
+                      <p:stCondLst>
+                        <p:cond delay="indefinite"/>
+                      </p:stCondLst>
+                      <p:childTnLst>
+                        <p:par>
+                          <p:cTn id="8" fill="hold">
+                            <p:stCondLst>
+                              <p:cond delay="0"/>
+                            </p:stCondLst>
+                            <p:childTnLst>
+                              <p:par>
+                                <p:cTn id="9" presetID="6" presetClass="emph" presetSubtype="0" fill="hold" grpId="1" nodeType="clickEffect">
+                                  <p:stCondLst>
+                                    <p:cond delay="0"/>
+                                  </p:stCondLst>
+                                  <p:childTnLst>
+                                    <p:animScale>
+                                      <p:cBhvr>
+                                        <p:cTn id="10" dur="2000" fill="hold"/>
+                                        <p:tgtEl>
+                                          <p:spTgt spid="2"/>
+                                        </p:tgtEl>
+                                      </p:cBhvr>
+                                      <p:by x="150000" y="150000"/>
+                                    </p:animScale>
+                                  </p:childTnLst>
+                                </p:cTn>
+                              </p:par>
+                            </p:childTnLst>
+                          </p:cTn>
+                        </p:par>
+                      </p:childTnLst>
+                    </p:cTn>
+                  </p:par>
+                </p:childTnLst>
+              </p:cTn>
+              <p:prevCondLst>
+                <p:cond evt="onPrev" delay="0">
+                  <p:tgtEl>
+                    <p:sldTgt/>
+                  </p:tgtEl>
+                </p:cond>
+              </p:prevCondLst>
+              <p:nextCondLst>
+                <p:cond evt="onNext" delay="0">
+                  <p:tgtEl>
+                    <p:sldTgt/>
+                  </p:tgtEl>
+                </p:cond>
+              </p:nextCondLst>
+            </p:seq>
+          </p:childTnLst>
+        </p:cTn>
+      </p:par>
+    </p:tnLst>
+    <p:bldLst>
+      <p:bldP spid="2" grpId="0" animBg="1"/>
+      <p:bldP spid="2" grpId="1" animBg="1"/>
+    </p:bldLst>
+  </p:timing>
 </p:sld>
 </file>
 
